--- a/Project Presentation.pptx
+++ b/Project Presentation.pptx
@@ -8,6 +8,7 @@
     <p:sldId id="256" r:id="rId2"/>
     <p:sldId id="257" r:id="rId3"/>
     <p:sldId id="258" r:id="rId4"/>
+    <p:sldId id="259" r:id="rId5"/>
   </p:sldIdLst>
   <p:sldSz cx="12192000" cy="6858000"/>
   <p:notesSz cx="6858000" cy="9144000"/>
@@ -106,6 +107,11 @@
       </a:defRPr>
     </a:lvl9pPr>
   </p:defaultTextStyle>
+  <p:extLst>
+    <p:ext uri="{EFAFB233-063F-42B5-8137-9DF3F51BA10A}">
+      <p15:sldGuideLst xmlns:p15="http://schemas.microsoft.com/office/powerpoint/2012/main"/>
+    </p:ext>
+  </p:extLst>
 </p:presentation>
 </file>
 
@@ -272,7 +278,7 @@
           <a:p>
             <a:fld id="{1160EA64-D806-43AC-9DF2-F8C432F32B4C}" type="datetimeFigureOut">
               <a:rPr lang="en-US" dirty="0"/>
-              <a:t>11/28/22</a:t>
+              <a:t>12/3/22</a:t>
             </a:fld>
             <a:endParaRPr lang="en-US" dirty="0"/>
           </a:p>
@@ -438,7 +444,7 @@
           <a:p>
             <a:fld id="{E9F9C37B-1D36-470B-8223-D6C91242EC14}" type="datetimeFigureOut">
               <a:rPr lang="en-US" dirty="0"/>
-              <a:t>11/28/22</a:t>
+              <a:t>12/3/22</a:t>
             </a:fld>
             <a:endParaRPr lang="en-US" dirty="0"/>
           </a:p>
@@ -613,7 +619,7 @@
           <a:p>
             <a:fld id="{67C6F52A-A82B-47A2-A83A-8C4C91F2D59F}" type="datetimeFigureOut">
               <a:rPr lang="en-US" dirty="0"/>
-              <a:t>11/28/22</a:t>
+              <a:t>12/3/22</a:t>
             </a:fld>
             <a:endParaRPr lang="en-US" dirty="0"/>
           </a:p>
@@ -778,7 +784,7 @@
           <a:p>
             <a:fld id="{F070A7B3-6521-4DCA-87E5-044747A908C1}" type="datetimeFigureOut">
               <a:rPr lang="en-US" dirty="0"/>
-              <a:t>11/28/22</a:t>
+              <a:t>12/3/22</a:t>
             </a:fld>
             <a:endParaRPr lang="en-US" dirty="0"/>
           </a:p>
@@ -1042,7 +1048,7 @@
           <a:p>
             <a:fld id="{1160EA64-D806-43AC-9DF2-F8C432F32B4C}" type="datetimeFigureOut">
               <a:rPr lang="en-US" dirty="0"/>
-              <a:t>11/28/22</a:t>
+              <a:t>12/3/22</a:t>
             </a:fld>
             <a:endParaRPr lang="en-US" dirty="0"/>
           </a:p>
@@ -1270,7 +1276,7 @@
           <a:p>
             <a:fld id="{AB134690-1557-4C89-A502-4959FE7FAD70}" type="datetimeFigureOut">
               <a:rPr lang="en-US" dirty="0"/>
-              <a:t>11/28/22</a:t>
+              <a:t>12/3/22</a:t>
             </a:fld>
             <a:endParaRPr lang="en-US" dirty="0"/>
           </a:p>
@@ -1624,7 +1630,7 @@
           <a:p>
             <a:fld id="{4F7D4976-E339-4826-83B7-FBD03F55ECF8}" type="datetimeFigureOut">
               <a:rPr lang="en-US" dirty="0"/>
-              <a:t>11/28/22</a:t>
+              <a:t>12/3/22</a:t>
             </a:fld>
             <a:endParaRPr lang="en-US" dirty="0"/>
           </a:p>
@@ -1760,7 +1766,7 @@
           <a:p>
             <a:fld id="{E1037C31-9E7A-4F99-8774-A0E530DE1A42}" type="datetimeFigureOut">
               <a:rPr lang="en-US" dirty="0"/>
-              <a:t>11/28/22</a:t>
+              <a:t>12/3/22</a:t>
             </a:fld>
             <a:endParaRPr lang="en-US" dirty="0"/>
           </a:p>
@@ -1850,7 +1856,7 @@
           <a:p>
             <a:fld id="{C278504F-A551-4DE0-9316-4DCD1D8CC752}" type="datetimeFigureOut">
               <a:rPr lang="en-US" dirty="0"/>
-              <a:t>11/28/22</a:t>
+              <a:t>12/3/22</a:t>
             </a:fld>
             <a:endParaRPr lang="en-US" dirty="0"/>
           </a:p>
@@ -2202,7 +2208,7 @@
           <a:p>
             <a:fld id="{D1BE4249-C0D0-4B06-8692-E8BB871AF643}" type="datetimeFigureOut">
               <a:rPr lang="en-US" dirty="0"/>
-              <a:t>11/28/22</a:t>
+              <a:t>12/3/22</a:t>
             </a:fld>
             <a:endParaRPr lang="en-US" dirty="0"/>
           </a:p>
@@ -2554,7 +2560,7 @@
           <a:p>
             <a:fld id="{042B0DB6-F5C7-45FB-8CF3-31B45F9C2DAC}" type="datetimeFigureOut">
               <a:rPr lang="en-US" dirty="0"/>
-              <a:t>11/28/22</a:t>
+              <a:t>12/3/22</a:t>
             </a:fld>
             <a:endParaRPr lang="en-US" dirty="0"/>
           </a:p>
@@ -2791,7 +2797,7 @@
           <a:p>
             <a:fld id="{1160EA64-D806-43AC-9DF2-F8C432F32B4C}" type="datetimeFigureOut">
               <a:rPr lang="en-US" dirty="0"/>
-              <a:t>11/28/22</a:t>
+              <a:t>12/3/22</a:t>
             </a:fld>
             <a:endParaRPr lang="en-US" dirty="0"/>
           </a:p>
@@ -3396,14 +3402,43 @@
         <p:spPr>
           <a:xfrm>
             <a:off x="328763" y="1772484"/>
-            <a:ext cx="11400780" cy="4481171"/>
+            <a:ext cx="7501444" cy="4481171"/>
           </a:xfrm>
         </p:spPr>
         <p:txBody>
-          <a:bodyPr/>
-          <a:lstStyle/>
-          <a:p>
-            <a:endParaRPr lang="en-US"/>
+          <a:bodyPr>
+            <a:normAutofit/>
+          </a:bodyPr>
+          <a:lstStyle/>
+          <a:p>
+            <a:r>
+              <a:rPr lang="en-US" sz="2000" dirty="0"/>
+              <a:t>There are many technologies and devices catered to cars finding optimal paths from a source to a destination</a:t>
+            </a:r>
+          </a:p>
+          <a:p>
+            <a:endParaRPr lang="en-US" sz="2000" dirty="0"/>
+          </a:p>
+          <a:p>
+            <a:endParaRPr lang="en-US" sz="2000" dirty="0"/>
+          </a:p>
+          <a:p>
+            <a:r>
+              <a:rPr lang="en-US" sz="2000" dirty="0"/>
+              <a:t>There does not exist many solutions that offer similar capabilities for runners, especially those in dense cities such as Boston</a:t>
+            </a:r>
+          </a:p>
+          <a:p>
+            <a:endParaRPr lang="en-US" sz="2000" dirty="0"/>
+          </a:p>
+          <a:p>
+            <a:endParaRPr lang="en-US" sz="2000" dirty="0"/>
+          </a:p>
+          <a:p>
+            <a:r>
+              <a:rPr lang="en-US" sz="2000" dirty="0"/>
+              <a:t>Given the many algorithms we have covered this semester, we wanted to investigate the use of several for runners in the Boston area.</a:t>
+            </a:r>
           </a:p>
         </p:txBody>
       </p:sp>
@@ -3467,7 +3502,7 @@
           <a:p>
             <a:r>
               <a:rPr lang="en-US" dirty="0"/>
-              <a:t>Problem Statement</a:t>
+              <a:t>Methods</a:t>
             </a:r>
           </a:p>
         </p:txBody>
@@ -3498,7 +3533,17 @@
           <a:bodyPr/>
           <a:lstStyle/>
           <a:p>
-            <a:endParaRPr lang="en-US"/>
+            <a:r>
+              <a:rPr lang="en-US" dirty="0"/>
+              <a:t>We hope to investigate three different use cases within our proof of concept (POC</a:t>
+            </a:r>
+            <a:r>
+              <a:rPr lang="en-US"/>
+              <a:t>) application</a:t>
+            </a:r>
+          </a:p>
+          <a:p>
+            <a:endParaRPr lang="en-US" dirty="0"/>
           </a:p>
         </p:txBody>
       </p:sp>
@@ -3506,6 +3551,139 @@
     <p:extLst>
       <p:ext uri="{BB962C8B-B14F-4D97-AF65-F5344CB8AC3E}">
         <p14:creationId xmlns:p14="http://schemas.microsoft.com/office/powerpoint/2010/main" val="170563200"/>
+      </p:ext>
+    </p:extLst>
+  </p:cSld>
+  <p:clrMapOvr>
+    <a:masterClrMapping/>
+  </p:clrMapOvr>
+</p:sld>
+</file>
+
+<file path=ppt/slides/slide4.xml><?xml version="1.0" encoding="utf-8"?>
+<p:sld xmlns:a="http://schemas.openxmlformats.org/drawingml/2006/main" xmlns:r="http://schemas.openxmlformats.org/officeDocument/2006/relationships" xmlns:p="http://schemas.openxmlformats.org/presentationml/2006/main">
+  <p:cSld>
+    <p:spTree>
+      <p:nvGrpSpPr>
+        <p:cNvPr id="1" name=""/>
+        <p:cNvGrpSpPr/>
+        <p:nvPr/>
+      </p:nvGrpSpPr>
+      <p:grpSpPr>
+        <a:xfrm>
+          <a:off x="0" y="0"/>
+          <a:ext cx="0" cy="0"/>
+          <a:chOff x="0" y="0"/>
+          <a:chExt cx="0" cy="0"/>
+        </a:xfrm>
+      </p:grpSpPr>
+      <p:sp>
+        <p:nvSpPr>
+          <p:cNvPr id="2" name="Title 1">
+            <a:extLst>
+              <a:ext uri="{FF2B5EF4-FFF2-40B4-BE49-F238E27FC236}">
+                <a16:creationId xmlns:a16="http://schemas.microsoft.com/office/drawing/2014/main" id="{E5C886DB-3E12-AEF3-4732-C238E879890C}"/>
+              </a:ext>
+            </a:extLst>
+          </p:cNvPr>
+          <p:cNvSpPr>
+            <a:spLocks noGrp="1"/>
+          </p:cNvSpPr>
+          <p:nvPr>
+            <p:ph type="title"/>
+          </p:nvPr>
+        </p:nvSpPr>
+        <p:spPr>
+          <a:xfrm>
+            <a:off x="328763" y="323561"/>
+            <a:ext cx="11400781" cy="674922"/>
+          </a:xfrm>
+        </p:spPr>
+        <p:txBody>
+          <a:bodyPr>
+            <a:normAutofit fontScale="90000"/>
+          </a:bodyPr>
+          <a:lstStyle/>
+          <a:p>
+            <a:r>
+              <a:rPr lang="en-US" dirty="0"/>
+              <a:t>Methods</a:t>
+            </a:r>
+          </a:p>
+        </p:txBody>
+      </p:sp>
+      <p:sp>
+        <p:nvSpPr>
+          <p:cNvPr id="3" name="Content Placeholder 2">
+            <a:extLst>
+              <a:ext uri="{FF2B5EF4-FFF2-40B4-BE49-F238E27FC236}">
+                <a16:creationId xmlns:a16="http://schemas.microsoft.com/office/drawing/2014/main" id="{22685EA7-DF49-4E42-7809-681B907322B3}"/>
+              </a:ext>
+            </a:extLst>
+          </p:cNvPr>
+          <p:cNvSpPr>
+            <a:spLocks noGrp="1"/>
+          </p:cNvSpPr>
+          <p:nvPr>
+            <p:ph idx="1"/>
+          </p:nvPr>
+        </p:nvSpPr>
+        <p:spPr>
+          <a:xfrm>
+            <a:off x="328763" y="1772484"/>
+            <a:ext cx="11400780" cy="4481171"/>
+          </a:xfrm>
+        </p:spPr>
+        <p:txBody>
+          <a:bodyPr/>
+          <a:lstStyle/>
+          <a:p>
+            <a:r>
+              <a:rPr lang="en-US" dirty="0"/>
+              <a:t>Longest Path with Distance Limitation</a:t>
+            </a:r>
+          </a:p>
+          <a:p>
+            <a:pPr lvl="1"/>
+            <a:r>
+              <a:rPr lang="en-US" dirty="0"/>
+              <a:t>Create a graph using a list of nodes and edges</a:t>
+            </a:r>
+          </a:p>
+          <a:p>
+            <a:pPr lvl="1"/>
+            <a:r>
+              <a:rPr lang="en-US" dirty="0"/>
+              <a:t>Convert the graph into an adjacency list</a:t>
+            </a:r>
+          </a:p>
+          <a:p>
+            <a:pPr lvl="1"/>
+            <a:r>
+              <a:rPr lang="en-US" dirty="0"/>
+              <a:t>Apply DFS</a:t>
+            </a:r>
+          </a:p>
+          <a:p>
+            <a:pPr lvl="1"/>
+            <a:r>
+              <a:rPr lang="en-US" dirty="0"/>
+              <a:t>Monitor the distance metric</a:t>
+            </a:r>
+          </a:p>
+          <a:p>
+            <a:pPr lvl="1"/>
+            <a:r>
+              <a:rPr lang="en-US" dirty="0"/>
+              <a:t>End </a:t>
+            </a:r>
+          </a:p>
+        </p:txBody>
+      </p:sp>
+    </p:spTree>
+    <p:extLst>
+      <p:ext uri="{BB962C8B-B14F-4D97-AF65-F5344CB8AC3E}">
+        <p14:creationId xmlns:p14="http://schemas.microsoft.com/office/powerpoint/2010/main" val="3397202283"/>
       </p:ext>
     </p:extLst>
   </p:cSld>
